--- a/DigitalSystems/Lecture10/pictures/pictures-converted.pptx
+++ b/DigitalSystems/Lecture10/pictures/pictures-converted.pptx
@@ -3037,25 +3037,6 @@
       </p:grpSpPr>
       <p:sp>
         <p:nvSpPr>
-          <p:cNvPr id="2" name="Title 1"/>
-          <p:cNvSpPr>
-            <a:spLocks noGrp="1"/>
-          </p:cNvSpPr>
-          <p:nvPr>
-            <p:ph type="ctrTitle"/>
-          </p:nvPr>
-        </p:nvSpPr>
-        <p:spPr/>
-        <p:txBody>
-          <a:bodyPr/>
-          <a:lstStyle/>
-          <a:p>
-            <a:endParaRPr lang="en-US" dirty="0"/>
-          </a:p>
-        </p:txBody>
-      </p:sp>
-      <p:sp>
-        <p:nvSpPr>
           <p:cNvPr id="3" name="Subtitle 2"/>
           <p:cNvSpPr>
             <a:spLocks noGrp="1"/>
@@ -3064,12 +3045,33 @@
             <p:ph type="subTitle" idx="1"/>
           </p:nvPr>
         </p:nvSpPr>
-        <p:spPr/>
-        <p:txBody>
-          <a:bodyPr/>
-          <a:lstStyle/>
-          <a:p>
-            <a:endParaRPr lang="en-US" dirty="0"/>
+        <p:spPr>
+          <a:xfrm>
+            <a:off x="4783726" y="3741916"/>
+            <a:ext cx="312484" cy="401983"/>
+          </a:xfrm>
+        </p:spPr>
+        <p:txBody>
+          <a:bodyPr>
+            <a:normAutofit/>
+          </a:bodyPr>
+          <a:lstStyle/>
+          <a:p>
+            <a:r>
+              <a:rPr lang="en-US" sz="1800" dirty="0" err="1" smtClean="0">
+                <a:solidFill>
+                  <a:schemeClr val="tx1"/>
+                </a:solidFill>
+                <a:latin typeface="Symbol"/>
+              </a:rPr>
+              <a:t>ε</a:t>
+            </a:r>
+            <a:endParaRPr lang="en-US" sz="1800" dirty="0">
+              <a:solidFill>
+                <a:schemeClr val="tx1"/>
+              </a:solidFill>
+              <a:latin typeface="Symbol"/>
+            </a:endParaRPr>
           </a:p>
         </p:txBody>
       </p:sp>
@@ -3101,7 +3103,7 @@
         </mc:AlternateContent>
         <p:spPr>
           <a:xfrm>
-            <a:off x="3231148" y="1373779"/>
+            <a:off x="435373" y="395832"/>
             <a:ext cx="2120900" cy="419100"/>
           </a:xfrm>
           <a:prstGeom prst="rect">
@@ -3117,7 +3119,7 @@
         </p:nvSpPr>
         <p:spPr>
           <a:xfrm>
-            <a:off x="4438623" y="1390559"/>
+            <a:off x="1642848" y="412612"/>
             <a:ext cx="349224" cy="369332"/>
           </a:xfrm>
           <a:prstGeom prst="rect">
@@ -3151,8 +3153,8 @@
         </p:nvSpPr>
         <p:spPr>
           <a:xfrm>
-            <a:off x="4911926" y="1269658"/>
-            <a:ext cx="312656" cy="307777"/>
+            <a:off x="2124398" y="316452"/>
+            <a:ext cx="294371" cy="276999"/>
           </a:xfrm>
           <a:prstGeom prst="rect">
             <a:avLst/>
@@ -3166,12 +3168,12 @@
           <a:lstStyle/>
           <a:p>
             <a:r>
-              <a:rPr lang="en-US" sz="1400" dirty="0" smtClean="0">
+              <a:rPr lang="en-US" sz="1200" dirty="0" smtClean="0">
                 <a:latin typeface="Symbol"/>
               </a:rPr>
               <a:t>∇</a:t>
             </a:r>
-            <a:endParaRPr lang="en-US" sz="1400" dirty="0">
+            <a:endParaRPr lang="en-US" sz="1200" dirty="0">
               <a:latin typeface="Symbol"/>
             </a:endParaRPr>
           </a:p>
@@ -3205,7 +3207,7 @@
         </mc:AlternateContent>
         <p:spPr>
           <a:xfrm>
-            <a:off x="3511550" y="3219450"/>
+            <a:off x="3095435" y="412612"/>
             <a:ext cx="2120900" cy="419100"/>
           </a:xfrm>
           <a:prstGeom prst="rect">
@@ -3221,7 +3223,7 @@
         </p:nvSpPr>
         <p:spPr>
           <a:xfrm>
-            <a:off x="5216335" y="3137717"/>
+            <a:off x="4816714" y="330879"/>
             <a:ext cx="294371" cy="276999"/>
           </a:xfrm>
           <a:prstGeom prst="rect">
@@ -3242,6 +3244,564 @@
               <a:t>∇</a:t>
             </a:r>
             <a:endParaRPr lang="en-US" sz="1200" dirty="0">
+              <a:latin typeface="Symbol"/>
+            </a:endParaRPr>
+          </a:p>
+        </p:txBody>
+      </p:sp>
+      <p:pic>
+        <p:nvPicPr>
+          <p:cNvPr id="9" name="Picture 8" descr="cse3.eps"/>
+          <p:cNvPicPr>
+            <a:picLocks noChangeAspect="1"/>
+          </p:cNvPicPr>
+          <p:nvPr/>
+        </p:nvPicPr>
+        <mc:AlternateContent>
+          <mc:Choice xmlns:ma="http://schemas.microsoft.com/office/mac/drawingml/2008/main" Requires="ma">
+            <p:blipFill>
+              <a:blip r:embed="rId6"/>
+              <a:stretch>
+                <a:fillRect/>
+              </a:stretch>
+            </p:blipFill>
+          </mc:Choice>
+          <mc:Fallback>
+            <p:blipFill>
+              <a:blip r:embed="rId7"/>
+              <a:stretch>
+                <a:fillRect/>
+              </a:stretch>
+            </p:blipFill>
+          </mc:Fallback>
+        </mc:AlternateContent>
+        <p:spPr>
+          <a:xfrm>
+            <a:off x="5461000" y="421232"/>
+            <a:ext cx="2311400" cy="393700"/>
+          </a:xfrm>
+          <a:prstGeom prst="rect">
+            <a:avLst/>
+          </a:prstGeom>
+        </p:spPr>
+      </p:pic>
+      <p:sp>
+        <p:nvSpPr>
+          <p:cNvPr id="10" name="TextBox 9"/>
+          <p:cNvSpPr txBox="1"/>
+          <p:nvPr/>
+        </p:nvSpPr>
+        <p:spPr>
+          <a:xfrm>
+            <a:off x="6713160" y="347373"/>
+            <a:ext cx="261610" cy="276999"/>
+          </a:xfrm>
+          <a:prstGeom prst="rect">
+            <a:avLst/>
+          </a:prstGeom>
+          <a:noFill/>
+        </p:spPr>
+        <p:txBody>
+          <a:bodyPr wrap="none" rtlCol="0">
+            <a:spAutoFit/>
+          </a:bodyPr>
+          <a:lstStyle/>
+          <a:p>
+            <a:r>
+              <a:rPr lang="en-US" sz="1200" dirty="0" smtClean="0">
+                <a:latin typeface="Symbol"/>
+              </a:rPr>
+              <a:t>-</a:t>
+            </a:r>
+            <a:endParaRPr lang="en-US" sz="1200" dirty="0">
+              <a:latin typeface="Symbol"/>
+            </a:endParaRPr>
+          </a:p>
+        </p:txBody>
+      </p:sp>
+      <p:sp>
+        <p:nvSpPr>
+          <p:cNvPr id="11" name="TextBox 10"/>
+          <p:cNvSpPr txBox="1"/>
+          <p:nvPr/>
+        </p:nvSpPr>
+        <p:spPr>
+          <a:xfrm>
+            <a:off x="7412053" y="339126"/>
+            <a:ext cx="294371" cy="276999"/>
+          </a:xfrm>
+          <a:prstGeom prst="rect">
+            <a:avLst/>
+          </a:prstGeom>
+          <a:noFill/>
+        </p:spPr>
+        <p:txBody>
+          <a:bodyPr wrap="none" rtlCol="0">
+            <a:spAutoFit/>
+          </a:bodyPr>
+          <a:lstStyle/>
+          <a:p>
+            <a:r>
+              <a:rPr lang="en-US" sz="1200" dirty="0" smtClean="0">
+                <a:latin typeface="Symbol"/>
+              </a:rPr>
+              <a:t>∇</a:t>
+            </a:r>
+            <a:endParaRPr lang="en-US" sz="1200" dirty="0">
+              <a:latin typeface="Symbol"/>
+            </a:endParaRPr>
+          </a:p>
+        </p:txBody>
+      </p:sp>
+      <p:pic>
+        <p:nvPicPr>
+          <p:cNvPr id="12" name="Picture 11" descr="cse4.eps"/>
+          <p:cNvPicPr>
+            <a:picLocks noChangeAspect="1"/>
+          </p:cNvPicPr>
+          <p:nvPr/>
+        </p:nvPicPr>
+        <mc:AlternateContent>
+          <mc:Choice xmlns:ma="http://schemas.microsoft.com/office/mac/drawingml/2008/main" Requires="ma">
+            <p:blipFill>
+              <a:blip r:embed="rId8"/>
+              <a:stretch>
+                <a:fillRect/>
+              </a:stretch>
+            </p:blipFill>
+          </mc:Choice>
+          <mc:Fallback>
+            <p:blipFill>
+              <a:blip r:embed="rId9"/>
+              <a:stretch>
+                <a:fillRect/>
+              </a:stretch>
+            </p:blipFill>
+          </mc:Fallback>
+        </mc:AlternateContent>
+        <p:spPr>
+          <a:xfrm>
+            <a:off x="435373" y="1352427"/>
+            <a:ext cx="2159000" cy="393700"/>
+          </a:xfrm>
+          <a:prstGeom prst="rect">
+            <a:avLst/>
+          </a:prstGeom>
+        </p:spPr>
+      </p:pic>
+      <p:sp>
+        <p:nvSpPr>
+          <p:cNvPr id="13" name="TextBox 12"/>
+          <p:cNvSpPr txBox="1"/>
+          <p:nvPr/>
+        </p:nvSpPr>
+        <p:spPr>
+          <a:xfrm>
+            <a:off x="1684083" y="1278204"/>
+            <a:ext cx="261610" cy="276999"/>
+          </a:xfrm>
+          <a:prstGeom prst="rect">
+            <a:avLst/>
+          </a:prstGeom>
+          <a:noFill/>
+        </p:spPr>
+        <p:txBody>
+          <a:bodyPr wrap="none" rtlCol="0">
+            <a:spAutoFit/>
+          </a:bodyPr>
+          <a:lstStyle/>
+          <a:p>
+            <a:r>
+              <a:rPr lang="en-US" sz="1200" dirty="0" smtClean="0">
+                <a:latin typeface="Symbol"/>
+              </a:rPr>
+              <a:t>-</a:t>
+            </a:r>
+            <a:endParaRPr lang="en-US" sz="1200" dirty="0">
+              <a:latin typeface="Symbol"/>
+            </a:endParaRPr>
+          </a:p>
+        </p:txBody>
+      </p:sp>
+      <p:sp>
+        <p:nvSpPr>
+          <p:cNvPr id="14" name="TextBox 13"/>
+          <p:cNvSpPr txBox="1"/>
+          <p:nvPr/>
+        </p:nvSpPr>
+        <p:spPr>
+          <a:xfrm>
+            <a:off x="2286643" y="1278204"/>
+            <a:ext cx="294371" cy="276999"/>
+          </a:xfrm>
+          <a:prstGeom prst="rect">
+            <a:avLst/>
+          </a:prstGeom>
+          <a:noFill/>
+        </p:spPr>
+        <p:txBody>
+          <a:bodyPr wrap="none" rtlCol="0">
+            <a:spAutoFit/>
+          </a:bodyPr>
+          <a:lstStyle/>
+          <a:p>
+            <a:r>
+              <a:rPr lang="en-US" sz="1200" dirty="0" smtClean="0">
+                <a:latin typeface="Symbol"/>
+              </a:rPr>
+              <a:t>∇</a:t>
+            </a:r>
+            <a:endParaRPr lang="en-US" sz="1200" dirty="0">
+              <a:latin typeface="Symbol"/>
+            </a:endParaRPr>
+          </a:p>
+        </p:txBody>
+      </p:sp>
+      <p:sp>
+        <p:nvSpPr>
+          <p:cNvPr id="15" name="TextBox 14"/>
+          <p:cNvSpPr txBox="1"/>
+          <p:nvPr/>
+        </p:nvSpPr>
+        <p:spPr>
+          <a:xfrm>
+            <a:off x="1053018" y="1339887"/>
+            <a:ext cx="248786" cy="230832"/>
+          </a:xfrm>
+          <a:prstGeom prst="rect">
+            <a:avLst/>
+          </a:prstGeom>
+          <a:noFill/>
+        </p:spPr>
+        <p:txBody>
+          <a:bodyPr wrap="none" rtlCol="0">
+            <a:spAutoFit/>
+          </a:bodyPr>
+          <a:lstStyle/>
+          <a:p>
+            <a:r>
+              <a:rPr lang="en-US" sz="900" dirty="0" smtClean="0">
+                <a:latin typeface="Symbol"/>
+              </a:rPr>
+              <a:t>-</a:t>
+            </a:r>
+            <a:endParaRPr lang="en-US" sz="900" dirty="0">
+              <a:latin typeface="Symbol"/>
+            </a:endParaRPr>
+          </a:p>
+        </p:txBody>
+      </p:sp>
+      <p:pic>
+        <p:nvPicPr>
+          <p:cNvPr id="16" name="Picture 15" descr="gate.eps"/>
+          <p:cNvPicPr>
+            <a:picLocks noChangeAspect="1"/>
+          </p:cNvPicPr>
+          <p:nvPr/>
+        </p:nvPicPr>
+        <mc:AlternateContent>
+          <mc:Choice xmlns:ma="http://schemas.microsoft.com/office/mac/drawingml/2008/main" Requires="ma">
+            <p:blipFill>
+              <a:blip r:embed="rId10"/>
+              <a:stretch>
+                <a:fillRect/>
+              </a:stretch>
+            </p:blipFill>
+          </mc:Choice>
+          <mc:Fallback>
+            <p:blipFill>
+              <a:blip r:embed="rId11"/>
+              <a:stretch>
+                <a:fillRect/>
+              </a:stretch>
+            </p:blipFill>
+          </mc:Fallback>
+        </mc:AlternateContent>
+        <p:spPr>
+          <a:xfrm>
+            <a:off x="1263650" y="2222405"/>
+            <a:ext cx="6616700" cy="1905000"/>
+          </a:xfrm>
+          <a:prstGeom prst="rect">
+            <a:avLst/>
+          </a:prstGeom>
+        </p:spPr>
+      </p:pic>
+      <p:sp>
+        <p:nvSpPr>
+          <p:cNvPr id="17" name="TextBox 16"/>
+          <p:cNvSpPr txBox="1"/>
+          <p:nvPr/>
+        </p:nvSpPr>
+        <p:spPr>
+          <a:xfrm>
+            <a:off x="3177905" y="2156429"/>
+            <a:ext cx="300082" cy="369332"/>
+          </a:xfrm>
+          <a:prstGeom prst="rect">
+            <a:avLst/>
+          </a:prstGeom>
+          <a:noFill/>
+        </p:spPr>
+        <p:txBody>
+          <a:bodyPr wrap="none" rtlCol="0">
+            <a:spAutoFit/>
+          </a:bodyPr>
+          <a:lstStyle/>
+          <a:p>
+            <a:r>
+              <a:rPr lang="en-US" dirty="0" smtClean="0">
+                <a:latin typeface="Symbol"/>
+              </a:rPr>
+              <a:t>-</a:t>
+            </a:r>
+            <a:endParaRPr lang="en-US" dirty="0">
+              <a:latin typeface="Symbol"/>
+            </a:endParaRPr>
+          </a:p>
+        </p:txBody>
+      </p:sp>
+      <p:sp>
+        <p:nvSpPr>
+          <p:cNvPr id="18" name="TextBox 17"/>
+          <p:cNvSpPr txBox="1"/>
+          <p:nvPr/>
+        </p:nvSpPr>
+        <p:spPr>
+          <a:xfrm>
+            <a:off x="4182058" y="2869783"/>
+            <a:ext cx="300082" cy="369332"/>
+          </a:xfrm>
+          <a:prstGeom prst="rect">
+            <a:avLst/>
+          </a:prstGeom>
+          <a:noFill/>
+        </p:spPr>
+        <p:txBody>
+          <a:bodyPr wrap="none" rtlCol="0">
+            <a:spAutoFit/>
+          </a:bodyPr>
+          <a:lstStyle/>
+          <a:p>
+            <a:r>
+              <a:rPr lang="en-US" dirty="0" smtClean="0">
+                <a:latin typeface="Symbol"/>
+              </a:rPr>
+              <a:t>-</a:t>
+            </a:r>
+            <a:endParaRPr lang="en-US" dirty="0">
+              <a:latin typeface="Symbol"/>
+            </a:endParaRPr>
+          </a:p>
+        </p:txBody>
+      </p:sp>
+      <p:sp>
+        <p:nvSpPr>
+          <p:cNvPr id="19" name="TextBox 18"/>
+          <p:cNvSpPr txBox="1"/>
+          <p:nvPr/>
+        </p:nvSpPr>
+        <p:spPr>
+          <a:xfrm>
+            <a:off x="5144424" y="3776050"/>
+            <a:ext cx="300082" cy="369332"/>
+          </a:xfrm>
+          <a:prstGeom prst="rect">
+            <a:avLst/>
+          </a:prstGeom>
+          <a:noFill/>
+        </p:spPr>
+        <p:txBody>
+          <a:bodyPr wrap="none" rtlCol="0">
+            <a:spAutoFit/>
+          </a:bodyPr>
+          <a:lstStyle/>
+          <a:p>
+            <a:r>
+              <a:rPr lang="en-US" dirty="0" smtClean="0">
+                <a:latin typeface="Symbol"/>
+              </a:rPr>
+              <a:t>-</a:t>
+            </a:r>
+            <a:endParaRPr lang="en-US" dirty="0">
+              <a:latin typeface="Symbol"/>
+            </a:endParaRPr>
+          </a:p>
+        </p:txBody>
+      </p:sp>
+      <p:sp>
+        <p:nvSpPr>
+          <p:cNvPr id="20" name="TextBox 19"/>
+          <p:cNvSpPr txBox="1"/>
+          <p:nvPr/>
+        </p:nvSpPr>
+        <p:spPr>
+          <a:xfrm>
+            <a:off x="5504759" y="3783394"/>
+            <a:ext cx="300082" cy="369332"/>
+          </a:xfrm>
+          <a:prstGeom prst="rect">
+            <a:avLst/>
+          </a:prstGeom>
+          <a:noFill/>
+        </p:spPr>
+        <p:txBody>
+          <a:bodyPr wrap="none" rtlCol="0">
+            <a:spAutoFit/>
+          </a:bodyPr>
+          <a:lstStyle/>
+          <a:p>
+            <a:r>
+              <a:rPr lang="en-US" dirty="0" smtClean="0">
+                <a:latin typeface="Symbol"/>
+              </a:rPr>
+              <a:t>-</a:t>
+            </a:r>
+            <a:endParaRPr lang="en-US" dirty="0">
+              <a:latin typeface="Symbol"/>
+            </a:endParaRPr>
+          </a:p>
+        </p:txBody>
+      </p:sp>
+      <p:sp>
+        <p:nvSpPr>
+          <p:cNvPr id="22" name="Subtitle 2"/>
+          <p:cNvSpPr txBox="1">
+            <a:spLocks/>
+          </p:cNvSpPr>
+          <p:nvPr/>
+        </p:nvSpPr>
+        <p:spPr>
+          <a:xfrm>
+            <a:off x="2832433" y="2115194"/>
+            <a:ext cx="312484" cy="401983"/>
+          </a:xfrm>
+          <a:prstGeom prst="rect">
+            <a:avLst/>
+          </a:prstGeom>
+        </p:spPr>
+        <p:txBody>
+          <a:bodyPr vert="horz" lIns="91440" tIns="45720" rIns="91440" bIns="45720" rtlCol="0">
+            <a:normAutofit/>
+          </a:bodyPr>
+          <a:lstStyle/>
+          <a:p>
+            <a:pPr marL="0" marR="0" lvl="0" indent="0" algn="ctr" defTabSz="457200" rtl="0" eaLnBrk="1" fontAlgn="auto" latinLnBrk="0" hangingPunct="1">
+              <a:lnSpc>
+                <a:spcPct val="100000"/>
+              </a:lnSpc>
+              <a:spcBef>
+                <a:spcPct val="20000"/>
+              </a:spcBef>
+              <a:spcAft>
+                <a:spcPts val="0"/>
+              </a:spcAft>
+              <a:buClrTx/>
+              <a:buSzTx/>
+              <a:buFont typeface="Arial"/>
+              <a:buNone/>
+              <a:tabLst/>
+              <a:defRPr/>
+            </a:pPr>
+            <a:r>
+              <a:rPr kumimoji="0" lang="en-US" sz="1800" b="0" i="0" u="none" strike="noStrike" kern="1200" cap="none" spc="0" normalizeH="0" baseline="0" noProof="0" smtClean="0">
+                <a:ln>
+                  <a:noFill/>
+                </a:ln>
+                <a:solidFill>
+                  <a:schemeClr val="tx1"/>
+                </a:solidFill>
+                <a:effectLst/>
+                <a:uLnTx/>
+                <a:uFillTx/>
+                <a:latin typeface="Symbol"/>
+                <a:ea typeface="+mn-ea"/>
+                <a:cs typeface="+mn-cs"/>
+              </a:rPr>
+              <a:t>ε</a:t>
+            </a:r>
+            <a:endParaRPr kumimoji="0" lang="en-US" sz="1800" b="0" i="0" u="none" strike="noStrike" kern="1200" cap="none" spc="0" normalizeH="0" baseline="0" noProof="0" dirty="0" smtClean="0">
+              <a:ln>
+                <a:noFill/>
+              </a:ln>
+              <a:solidFill>
+                <a:schemeClr val="tx1"/>
+              </a:solidFill>
+              <a:effectLst/>
+              <a:uLnTx/>
+              <a:uFillTx/>
+              <a:latin typeface="Symbol"/>
+              <a:ea typeface="+mn-ea"/>
+              <a:cs typeface="+mn-cs"/>
+            </a:endParaRPr>
+          </a:p>
+        </p:txBody>
+      </p:sp>
+      <p:pic>
+        <p:nvPicPr>
+          <p:cNvPr id="23" name="Picture 22" descr="pulse.eps"/>
+          <p:cNvPicPr>
+            <a:picLocks noChangeAspect="1"/>
+          </p:cNvPicPr>
+          <p:nvPr/>
+        </p:nvPicPr>
+        <mc:AlternateContent>
+          <mc:Choice xmlns:ma="http://schemas.microsoft.com/office/mac/drawingml/2008/main" Requires="ma">
+            <p:blipFill>
+              <a:blip r:embed="rId12"/>
+              <a:stretch>
+                <a:fillRect/>
+              </a:stretch>
+            </p:blipFill>
+          </mc:Choice>
+          <mc:Fallback>
+            <p:blipFill>
+              <a:blip r:embed="rId13"/>
+              <a:stretch>
+                <a:fillRect/>
+              </a:stretch>
+            </p:blipFill>
+          </mc:Fallback>
+        </mc:AlternateContent>
+        <p:spPr>
+          <a:xfrm>
+            <a:off x="1238250" y="4385012"/>
+            <a:ext cx="6667500" cy="1320800"/>
+          </a:xfrm>
+          <a:prstGeom prst="rect">
+            <a:avLst/>
+          </a:prstGeom>
+        </p:spPr>
+      </p:pic>
+      <p:sp>
+        <p:nvSpPr>
+          <p:cNvPr id="24" name="TextBox 23"/>
+          <p:cNvSpPr txBox="1"/>
+          <p:nvPr/>
+        </p:nvSpPr>
+        <p:spPr>
+          <a:xfrm>
+            <a:off x="4288412" y="5377715"/>
+            <a:ext cx="300082" cy="369332"/>
+          </a:xfrm>
+          <a:prstGeom prst="rect">
+            <a:avLst/>
+          </a:prstGeom>
+          <a:noFill/>
+        </p:spPr>
+        <p:txBody>
+          <a:bodyPr wrap="none" rtlCol="0">
+            <a:spAutoFit/>
+          </a:bodyPr>
+          <a:lstStyle/>
+          <a:p>
+            <a:r>
+              <a:rPr lang="en-US" dirty="0" smtClean="0">
+                <a:latin typeface="Symbol"/>
+              </a:rPr>
+              <a:t>-</a:t>
+            </a:r>
+            <a:endParaRPr lang="en-US" dirty="0">
               <a:latin typeface="Symbol"/>
             </a:endParaRPr>
           </a:p>

--- a/DigitalSystems/Lecture10/pictures/pictures-converted.pptx
+++ b/DigitalSystems/Lecture10/pictures/pictures-converted.pptx
@@ -6,6 +6,12 @@
   </p:sldMasterIdLst>
   <p:sldIdLst>
     <p:sldId id="256" r:id="rId2"/>
+    <p:sldId id="257" r:id="rId3"/>
+    <p:sldId id="258" r:id="rId4"/>
+    <p:sldId id="259" r:id="rId5"/>
+    <p:sldId id="260" r:id="rId6"/>
+    <p:sldId id="261" r:id="rId7"/>
+    <p:sldId id="262" r:id="rId8"/>
   </p:sldIdLst>
   <p:sldSz cx="9144000" cy="6858000" type="screen4x3"/>
   <p:notesSz cx="6858000" cy="9144000"/>
@@ -3807,6 +3813,1175 @@
           </a:p>
         </p:txBody>
       </p:sp>
+    </p:spTree>
+  </p:cSld>
+  <p:clrMapOvr>
+    <a:masterClrMapping/>
+  </p:clrMapOvr>
+</p:sld>
+</file>
+
+<file path=ppt/slides/slide2.xml><?xml version="1.0" encoding="utf-8"?>
+<p:sld xmlns:a="http://schemas.openxmlformats.org/drawingml/2006/main" xmlns:r="http://schemas.openxmlformats.org/officeDocument/2006/relationships" xmlns:mc="http://schemas.openxmlformats.org/markup-compatibility/2006" xmlns:mv="urn:schemas-microsoft-com:mac:vml" xmlns:p="http://schemas.openxmlformats.org/presentationml/2006/main" mc:Ignorable="mv" mc:PreserveAttributes="mv:*">
+  <p:cSld>
+    <p:spTree>
+      <p:nvGrpSpPr>
+        <p:cNvPr id="1" name=""/>
+        <p:cNvGrpSpPr/>
+        <p:nvPr/>
+      </p:nvGrpSpPr>
+      <p:grpSpPr>
+        <a:xfrm>
+          <a:off x="0" y="0"/>
+          <a:ext cx="0" cy="0"/>
+          <a:chOff x="0" y="0"/>
+          <a:chExt cx="0" cy="0"/>
+        </a:xfrm>
+      </p:grpSpPr>
+      <p:grpSp>
+        <p:nvGrpSpPr>
+          <p:cNvPr id="10" name="Group 9"/>
+          <p:cNvGrpSpPr/>
+          <p:nvPr/>
+        </p:nvGrpSpPr>
+        <p:grpSpPr>
+          <a:xfrm>
+            <a:off x="291850" y="168217"/>
+            <a:ext cx="2959100" cy="952500"/>
+            <a:chOff x="3092450" y="2952750"/>
+            <a:chExt cx="2959100" cy="952500"/>
+          </a:xfrm>
+        </p:grpSpPr>
+        <p:pic>
+          <p:nvPicPr>
+            <p:cNvPr id="4" name="Picture 3" descr="ssmodel.pdf"/>
+            <p:cNvPicPr>
+              <a:picLocks noChangeAspect="1"/>
+            </p:cNvPicPr>
+            <p:nvPr/>
+          </p:nvPicPr>
+          <mc:AlternateContent>
+            <mc:Choice xmlns:ma="http://schemas.microsoft.com/office/mac/drawingml/2008/main" Requires="ma">
+              <p:blipFill>
+                <a:blip r:embed="rId3"/>
+                <a:stretch>
+                  <a:fillRect/>
+                </a:stretch>
+              </p:blipFill>
+            </mc:Choice>
+            <mc:Fallback>
+              <p:blipFill>
+                <a:blip r:embed="rId4"/>
+                <a:stretch>
+                  <a:fillRect/>
+                </a:stretch>
+              </p:blipFill>
+            </mc:Fallback>
+          </mc:AlternateContent>
+          <p:spPr>
+            <a:xfrm>
+              <a:off x="3092450" y="2952750"/>
+              <a:ext cx="2959100" cy="952500"/>
+            </a:xfrm>
+            <a:prstGeom prst="rect">
+              <a:avLst/>
+            </a:prstGeom>
+          </p:spPr>
+        </p:pic>
+        <p:graphicFrame>
+          <p:nvGraphicFramePr>
+            <p:cNvPr id="5" name="Object 4"/>
+            <p:cNvGraphicFramePr>
+              <a:graphicFrameLocks noChangeAspect="1"/>
+            </p:cNvGraphicFramePr>
+            <p:nvPr/>
+          </p:nvGraphicFramePr>
+          <p:xfrm>
+            <a:off x="4554148" y="3445454"/>
+            <a:ext cx="128790" cy="135946"/>
+          </p:xfrm>
+          <a:graphic>
+            <a:graphicData uri="http://schemas.openxmlformats.org/presentationml/2006/ole">
+              <p:oleObj spid="_x0000_s14338" name="Equation" r:id="rId5" imgW="228600" imgH="241300" progId="Equation.3">
+                <p:embed/>
+              </p:oleObj>
+            </a:graphicData>
+          </a:graphic>
+        </p:graphicFrame>
+      </p:grpSp>
+      <p:grpSp>
+        <p:nvGrpSpPr>
+          <p:cNvPr id="19" name="Group 18"/>
+          <p:cNvGrpSpPr/>
+          <p:nvPr/>
+        </p:nvGrpSpPr>
+        <p:grpSpPr>
+          <a:xfrm>
+            <a:off x="660400" y="796867"/>
+            <a:ext cx="7823200" cy="3060700"/>
+            <a:chOff x="660400" y="796867"/>
+            <a:chExt cx="7823200" cy="3060700"/>
+          </a:xfrm>
+        </p:grpSpPr>
+        <p:pic>
+          <p:nvPicPr>
+            <p:cNvPr id="6" name="Picture 5" descr="ccanon.pdf"/>
+            <p:cNvPicPr>
+              <a:picLocks noChangeAspect="1"/>
+            </p:cNvPicPr>
+            <p:nvPr/>
+          </p:nvPicPr>
+          <mc:AlternateContent>
+            <mc:Choice xmlns:ma="http://schemas.microsoft.com/office/mac/drawingml/2008/main" Requires="ma">
+              <p:blipFill>
+                <a:blip r:embed="rId6"/>
+                <a:stretch>
+                  <a:fillRect/>
+                </a:stretch>
+              </p:blipFill>
+            </mc:Choice>
+            <mc:Fallback>
+              <p:blipFill>
+                <a:blip r:embed="rId7"/>
+                <a:stretch>
+                  <a:fillRect/>
+                </a:stretch>
+              </p:blipFill>
+            </mc:Fallback>
+          </mc:AlternateContent>
+          <p:spPr>
+            <a:xfrm>
+              <a:off x="660400" y="796867"/>
+              <a:ext cx="7823200" cy="3060700"/>
+            </a:xfrm>
+            <a:prstGeom prst="rect">
+              <a:avLst/>
+            </a:prstGeom>
+          </p:spPr>
+        </p:pic>
+        <p:graphicFrame>
+          <p:nvGraphicFramePr>
+            <p:cNvPr id="7" name="Object 6"/>
+            <p:cNvGraphicFramePr>
+              <a:graphicFrameLocks noChangeAspect="1"/>
+            </p:cNvGraphicFramePr>
+            <p:nvPr/>
+          </p:nvGraphicFramePr>
+          <p:xfrm>
+            <a:off x="2922198" y="2261121"/>
+            <a:ext cx="128790" cy="135946"/>
+          </p:xfrm>
+          <a:graphic>
+            <a:graphicData uri="http://schemas.openxmlformats.org/presentationml/2006/ole">
+              <p:oleObj spid="_x0000_s14340" name="Equation" r:id="rId8" imgW="228600" imgH="241300" progId="Equation.3">
+                <p:embed/>
+              </p:oleObj>
+            </a:graphicData>
+          </a:graphic>
+        </p:graphicFrame>
+        <p:graphicFrame>
+          <p:nvGraphicFramePr>
+            <p:cNvPr id="8" name="Object 7"/>
+            <p:cNvGraphicFramePr>
+              <a:graphicFrameLocks noChangeAspect="1"/>
+            </p:cNvGraphicFramePr>
+            <p:nvPr/>
+          </p:nvGraphicFramePr>
+          <p:xfrm>
+            <a:off x="4097843" y="2261121"/>
+            <a:ext cx="128790" cy="135946"/>
+          </p:xfrm>
+          <a:graphic>
+            <a:graphicData uri="http://schemas.openxmlformats.org/presentationml/2006/ole">
+              <p:oleObj spid="_x0000_s14341" name="Equation" r:id="rId9" imgW="228600" imgH="241300" progId="Equation.3">
+                <p:embed/>
+              </p:oleObj>
+            </a:graphicData>
+          </a:graphic>
+        </p:graphicFrame>
+        <p:graphicFrame>
+          <p:nvGraphicFramePr>
+            <p:cNvPr id="9" name="Object 8"/>
+            <p:cNvGraphicFramePr>
+              <a:graphicFrameLocks noChangeAspect="1"/>
+            </p:cNvGraphicFramePr>
+            <p:nvPr/>
+          </p:nvGraphicFramePr>
+          <p:xfrm>
+            <a:off x="6064063" y="2261121"/>
+            <a:ext cx="128790" cy="135946"/>
+          </p:xfrm>
+          <a:graphic>
+            <a:graphicData uri="http://schemas.openxmlformats.org/presentationml/2006/ole">
+              <p:oleObj spid="_x0000_s14342" name="Equation" r:id="rId10" imgW="228600" imgH="241300" progId="Equation.3">
+                <p:embed/>
+              </p:oleObj>
+            </a:graphicData>
+          </a:graphic>
+        </p:graphicFrame>
+        <p:graphicFrame>
+          <p:nvGraphicFramePr>
+            <p:cNvPr id="11" name="Object 10"/>
+            <p:cNvGraphicFramePr>
+              <a:graphicFrameLocks noChangeAspect="1"/>
+            </p:cNvGraphicFramePr>
+            <p:nvPr/>
+          </p:nvGraphicFramePr>
+          <p:xfrm>
+            <a:off x="7265870" y="2261121"/>
+            <a:ext cx="128790" cy="135946"/>
+          </p:xfrm>
+          <a:graphic>
+            <a:graphicData uri="http://schemas.openxmlformats.org/presentationml/2006/ole">
+              <p:oleObj spid="_x0000_s14343" name="Equation" r:id="rId11" imgW="228600" imgH="241300" progId="Equation.3">
+                <p:embed/>
+              </p:oleObj>
+            </a:graphicData>
+          </a:graphic>
+        </p:graphicFrame>
+      </p:grpSp>
+      <p:grpSp>
+        <p:nvGrpSpPr>
+          <p:cNvPr id="21" name="Group 20"/>
+          <p:cNvGrpSpPr/>
+          <p:nvPr/>
+        </p:nvGrpSpPr>
+        <p:grpSpPr>
+          <a:xfrm>
+            <a:off x="1020318" y="4615587"/>
+            <a:ext cx="7708900" cy="1714500"/>
+            <a:chOff x="1020318" y="4615587"/>
+            <a:chExt cx="7708900" cy="1714500"/>
+          </a:xfrm>
+        </p:grpSpPr>
+        <p:pic>
+          <p:nvPicPr>
+            <p:cNvPr id="13" name="Picture 12" descr="companion1.pdf"/>
+            <p:cNvPicPr>
+              <a:picLocks noChangeAspect="1"/>
+            </p:cNvPicPr>
+            <p:nvPr/>
+          </p:nvPicPr>
+          <mc:AlternateContent>
+            <mc:Choice xmlns:ma="http://schemas.microsoft.com/office/mac/drawingml/2008/main" Requires="ma">
+              <p:blipFill>
+                <a:blip r:embed="rId12"/>
+                <a:stretch>
+                  <a:fillRect/>
+                </a:stretch>
+              </p:blipFill>
+            </mc:Choice>
+            <mc:Fallback>
+              <p:blipFill>
+                <a:blip r:embed="rId13"/>
+                <a:stretch>
+                  <a:fillRect/>
+                </a:stretch>
+              </p:blipFill>
+            </mc:Fallback>
+          </mc:AlternateContent>
+          <p:spPr>
+            <a:xfrm>
+              <a:off x="1020318" y="4615587"/>
+              <a:ext cx="7708900" cy="1714500"/>
+            </a:xfrm>
+            <a:prstGeom prst="rect">
+              <a:avLst/>
+            </a:prstGeom>
+          </p:spPr>
+        </p:pic>
+        <p:graphicFrame>
+          <p:nvGraphicFramePr>
+            <p:cNvPr id="14" name="Object 13"/>
+            <p:cNvGraphicFramePr>
+              <a:graphicFrameLocks noChangeAspect="1"/>
+            </p:cNvGraphicFramePr>
+            <p:nvPr/>
+          </p:nvGraphicFramePr>
+          <p:xfrm>
+            <a:off x="3252982" y="4682876"/>
+            <a:ext cx="209039" cy="220654"/>
+          </p:xfrm>
+          <a:graphic>
+            <a:graphicData uri="http://schemas.openxmlformats.org/presentationml/2006/ole">
+              <p:oleObj spid="_x0000_s14348" name="Equation" r:id="rId14" imgW="228600" imgH="241300" progId="Equation.3">
+                <p:embed/>
+              </p:oleObj>
+            </a:graphicData>
+          </a:graphic>
+        </p:graphicFrame>
+        <p:graphicFrame>
+          <p:nvGraphicFramePr>
+            <p:cNvPr id="15" name="Object 14"/>
+            <p:cNvGraphicFramePr>
+              <a:graphicFrameLocks noChangeAspect="1"/>
+            </p:cNvGraphicFramePr>
+            <p:nvPr/>
+          </p:nvGraphicFramePr>
+          <p:xfrm>
+            <a:off x="4421831" y="4682876"/>
+            <a:ext cx="209039" cy="220654"/>
+          </p:xfrm>
+          <a:graphic>
+            <a:graphicData uri="http://schemas.openxmlformats.org/presentationml/2006/ole">
+              <p:oleObj spid="_x0000_s14349" name="Equation" r:id="rId15" imgW="228600" imgH="241300" progId="Equation.3">
+                <p:embed/>
+              </p:oleObj>
+            </a:graphicData>
+          </a:graphic>
+        </p:graphicFrame>
+        <p:graphicFrame>
+          <p:nvGraphicFramePr>
+            <p:cNvPr id="16" name="Object 15"/>
+            <p:cNvGraphicFramePr>
+              <a:graphicFrameLocks noChangeAspect="1"/>
+            </p:cNvGraphicFramePr>
+            <p:nvPr/>
+          </p:nvGraphicFramePr>
+          <p:xfrm>
+            <a:off x="6416990" y="4682876"/>
+            <a:ext cx="209039" cy="220654"/>
+          </p:xfrm>
+          <a:graphic>
+            <a:graphicData uri="http://schemas.openxmlformats.org/presentationml/2006/ole">
+              <p:oleObj spid="_x0000_s14350" name="Equation" r:id="rId16" imgW="228600" imgH="241300" progId="Equation.3">
+                <p:embed/>
+              </p:oleObj>
+            </a:graphicData>
+          </a:graphic>
+        </p:graphicFrame>
+        <p:graphicFrame>
+          <p:nvGraphicFramePr>
+            <p:cNvPr id="17" name="Object 16"/>
+            <p:cNvGraphicFramePr>
+              <a:graphicFrameLocks noChangeAspect="1"/>
+            </p:cNvGraphicFramePr>
+            <p:nvPr/>
+          </p:nvGraphicFramePr>
+          <p:xfrm>
+            <a:off x="7579559" y="4682876"/>
+            <a:ext cx="209039" cy="220654"/>
+          </p:xfrm>
+          <a:graphic>
+            <a:graphicData uri="http://schemas.openxmlformats.org/presentationml/2006/ole">
+              <p:oleObj spid="_x0000_s14351" name="Equation" r:id="rId17" imgW="228600" imgH="241300" progId="Equation.3">
+                <p:embed/>
+              </p:oleObj>
+            </a:graphicData>
+          </a:graphic>
+        </p:graphicFrame>
+      </p:grpSp>
+      <p:graphicFrame>
+        <p:nvGraphicFramePr>
+          <p:cNvPr id="20" name="Object 19"/>
+          <p:cNvGraphicFramePr>
+            <a:graphicFrameLocks noChangeAspect="1"/>
+          </p:cNvGraphicFramePr>
+          <p:nvPr/>
+        </p:nvGraphicFramePr>
+        <p:xfrm>
+          <a:off x="451361" y="3969923"/>
+          <a:ext cx="209039" cy="220654"/>
+        </p:xfrm>
+        <a:graphic>
+          <a:graphicData uri="http://schemas.openxmlformats.org/presentationml/2006/ole">
+            <p:oleObj spid="_x0000_s14352" name="Equation" r:id="rId18" imgW="228600" imgH="241300" progId="Equation.3">
+              <p:embed/>
+            </p:oleObj>
+          </a:graphicData>
+        </a:graphic>
+      </p:graphicFrame>
+    </p:spTree>
+  </p:cSld>
+  <p:clrMapOvr>
+    <a:masterClrMapping/>
+  </p:clrMapOvr>
+</p:sld>
+</file>
+
+<file path=ppt/slides/slide3.xml><?xml version="1.0" encoding="utf-8"?>
+<p:sld xmlns:a="http://schemas.openxmlformats.org/drawingml/2006/main" xmlns:r="http://schemas.openxmlformats.org/officeDocument/2006/relationships" xmlns:mc="http://schemas.openxmlformats.org/markup-compatibility/2006" xmlns:mv="urn:schemas-microsoft-com:mac:vml" xmlns:p="http://schemas.openxmlformats.org/presentationml/2006/main" mc:Ignorable="mv" mc:PreserveAttributes="mv:*">
+  <p:cSld>
+    <p:spTree>
+      <p:nvGrpSpPr>
+        <p:cNvPr id="1" name=""/>
+        <p:cNvGrpSpPr/>
+        <p:nvPr/>
+      </p:nvGrpSpPr>
+      <p:grpSpPr>
+        <a:xfrm>
+          <a:off x="0" y="0"/>
+          <a:ext cx="0" cy="0"/>
+          <a:chOff x="0" y="0"/>
+          <a:chExt cx="0" cy="0"/>
+        </a:xfrm>
+      </p:grpSpPr>
+      <p:grpSp>
+        <p:nvGrpSpPr>
+          <p:cNvPr id="9" name="Group 8"/>
+          <p:cNvGrpSpPr/>
+          <p:nvPr/>
+        </p:nvGrpSpPr>
+        <p:grpSpPr>
+          <a:xfrm>
+            <a:off x="660400" y="1898650"/>
+            <a:ext cx="7823200" cy="3060700"/>
+            <a:chOff x="660400" y="1898650"/>
+            <a:chExt cx="7823200" cy="3060700"/>
+          </a:xfrm>
+        </p:grpSpPr>
+        <p:pic>
+          <p:nvPicPr>
+            <p:cNvPr id="4" name="Picture 3" descr="companion2.pdf"/>
+            <p:cNvPicPr>
+              <a:picLocks noChangeAspect="1"/>
+            </p:cNvPicPr>
+            <p:nvPr/>
+          </p:nvPicPr>
+          <mc:AlternateContent>
+            <mc:Choice xmlns:ma="http://schemas.microsoft.com/office/mac/drawingml/2008/main" Requires="ma">
+              <p:blipFill>
+                <a:blip r:embed="rId3"/>
+                <a:stretch>
+                  <a:fillRect/>
+                </a:stretch>
+              </p:blipFill>
+            </mc:Choice>
+            <mc:Fallback>
+              <p:blipFill>
+                <a:blip r:embed="rId4"/>
+                <a:stretch>
+                  <a:fillRect/>
+                </a:stretch>
+              </p:blipFill>
+            </mc:Fallback>
+          </mc:AlternateContent>
+          <p:spPr>
+            <a:xfrm>
+              <a:off x="660400" y="1898650"/>
+              <a:ext cx="7823200" cy="3060700"/>
+            </a:xfrm>
+            <a:prstGeom prst="rect">
+              <a:avLst/>
+            </a:prstGeom>
+          </p:spPr>
+        </p:pic>
+        <p:graphicFrame>
+          <p:nvGraphicFramePr>
+            <p:cNvPr id="15362" name="Object 2"/>
+            <p:cNvGraphicFramePr>
+              <a:graphicFrameLocks noChangeAspect="1"/>
+            </p:cNvGraphicFramePr>
+            <p:nvPr/>
+          </p:nvGraphicFramePr>
+          <p:xfrm>
+            <a:off x="2878247" y="3318669"/>
+            <a:ext cx="209550" cy="220662"/>
+          </p:xfrm>
+          <a:graphic>
+            <a:graphicData uri="http://schemas.openxmlformats.org/presentationml/2006/ole">
+              <p:oleObj spid="_x0000_s15362" name="Equation" r:id="rId5" imgW="228600" imgH="241300" progId="Equation.3">
+                <p:embed/>
+              </p:oleObj>
+            </a:graphicData>
+          </a:graphic>
+        </p:graphicFrame>
+        <p:graphicFrame>
+          <p:nvGraphicFramePr>
+            <p:cNvPr id="6" name="Object 2"/>
+            <p:cNvGraphicFramePr>
+              <a:graphicFrameLocks noChangeAspect="1"/>
+            </p:cNvGraphicFramePr>
+            <p:nvPr/>
+          </p:nvGraphicFramePr>
+          <p:xfrm>
+            <a:off x="4058165" y="3318669"/>
+            <a:ext cx="209550" cy="220662"/>
+          </p:xfrm>
+          <a:graphic>
+            <a:graphicData uri="http://schemas.openxmlformats.org/presentationml/2006/ole">
+              <p:oleObj spid="_x0000_s15363" name="Equation" r:id="rId6" imgW="228600" imgH="241300" progId="Equation.3">
+                <p:embed/>
+              </p:oleObj>
+            </a:graphicData>
+          </a:graphic>
+        </p:graphicFrame>
+        <p:graphicFrame>
+          <p:nvGraphicFramePr>
+            <p:cNvPr id="7" name="Object 2"/>
+            <p:cNvGraphicFramePr>
+              <a:graphicFrameLocks noChangeAspect="1"/>
+            </p:cNvGraphicFramePr>
+            <p:nvPr/>
+          </p:nvGraphicFramePr>
+          <p:xfrm>
+            <a:off x="6053390" y="3318669"/>
+            <a:ext cx="209550" cy="220662"/>
+          </p:xfrm>
+          <a:graphic>
+            <a:graphicData uri="http://schemas.openxmlformats.org/presentationml/2006/ole">
+              <p:oleObj spid="_x0000_s15364" name="Equation" r:id="rId7" imgW="228600" imgH="241300" progId="Equation.3">
+                <p:embed/>
+              </p:oleObj>
+            </a:graphicData>
+          </a:graphic>
+        </p:graphicFrame>
+        <p:graphicFrame>
+          <p:nvGraphicFramePr>
+            <p:cNvPr id="8" name="Object 2"/>
+            <p:cNvGraphicFramePr>
+              <a:graphicFrameLocks noChangeAspect="1"/>
+            </p:cNvGraphicFramePr>
+            <p:nvPr/>
+          </p:nvGraphicFramePr>
+          <p:xfrm>
+            <a:off x="7199740" y="3318669"/>
+            <a:ext cx="209550" cy="220662"/>
+          </p:xfrm>
+          <a:graphic>
+            <a:graphicData uri="http://schemas.openxmlformats.org/presentationml/2006/ole">
+              <p:oleObj spid="_x0000_s15365" name="Equation" r:id="rId8" imgW="228600" imgH="241300" progId="Equation.3">
+                <p:embed/>
+              </p:oleObj>
+            </a:graphicData>
+          </a:graphic>
+        </p:graphicFrame>
+      </p:grpSp>
+    </p:spTree>
+  </p:cSld>
+  <p:clrMapOvr>
+    <a:masterClrMapping/>
+  </p:clrMapOvr>
+</p:sld>
+</file>
+
+<file path=ppt/slides/slide4.xml><?xml version="1.0" encoding="utf-8"?>
+<p:sld xmlns:a="http://schemas.openxmlformats.org/drawingml/2006/main" xmlns:r="http://schemas.openxmlformats.org/officeDocument/2006/relationships" xmlns:mc="http://schemas.openxmlformats.org/markup-compatibility/2006" xmlns:mv="urn:schemas-microsoft-com:mac:vml" xmlns:p="http://schemas.openxmlformats.org/presentationml/2006/main" mc:Ignorable="mv" mc:PreserveAttributes="mv:*">
+  <p:cSld>
+    <p:spTree>
+      <p:nvGrpSpPr>
+        <p:cNvPr id="1" name=""/>
+        <p:cNvGrpSpPr/>
+        <p:nvPr/>
+      </p:nvGrpSpPr>
+      <p:grpSpPr>
+        <a:xfrm>
+          <a:off x="0" y="0"/>
+          <a:ext cx="0" cy="0"/>
+          <a:chOff x="0" y="0"/>
+          <a:chExt cx="0" cy="0"/>
+        </a:xfrm>
+      </p:grpSpPr>
+      <p:grpSp>
+        <p:nvGrpSpPr>
+          <p:cNvPr id="9" name="Group 8"/>
+          <p:cNvGrpSpPr/>
+          <p:nvPr/>
+        </p:nvGrpSpPr>
+        <p:grpSpPr>
+          <a:xfrm>
+            <a:off x="660400" y="1898650"/>
+            <a:ext cx="7823200" cy="3060700"/>
+            <a:chOff x="660400" y="1898650"/>
+            <a:chExt cx="7823200" cy="3060700"/>
+          </a:xfrm>
+        </p:grpSpPr>
+        <p:pic>
+          <p:nvPicPr>
+            <p:cNvPr id="4" name="Picture 3" descr="companion3.pdf"/>
+            <p:cNvPicPr>
+              <a:picLocks noChangeAspect="1"/>
+            </p:cNvPicPr>
+            <p:nvPr/>
+          </p:nvPicPr>
+          <mc:AlternateContent>
+            <mc:Choice xmlns:ma="http://schemas.microsoft.com/office/mac/drawingml/2008/main" Requires="ma">
+              <p:blipFill>
+                <a:blip r:embed="rId3"/>
+                <a:stretch>
+                  <a:fillRect/>
+                </a:stretch>
+              </p:blipFill>
+            </mc:Choice>
+            <mc:Fallback>
+              <p:blipFill>
+                <a:blip r:embed="rId4"/>
+                <a:stretch>
+                  <a:fillRect/>
+                </a:stretch>
+              </p:blipFill>
+            </mc:Fallback>
+          </mc:AlternateContent>
+          <p:spPr>
+            <a:xfrm>
+              <a:off x="660400" y="1898650"/>
+              <a:ext cx="7823200" cy="3060700"/>
+            </a:xfrm>
+            <a:prstGeom prst="rect">
+              <a:avLst/>
+            </a:prstGeom>
+          </p:spPr>
+        </p:pic>
+        <p:graphicFrame>
+          <p:nvGraphicFramePr>
+            <p:cNvPr id="16386" name="Object 2"/>
+            <p:cNvGraphicFramePr>
+              <a:graphicFrameLocks noChangeAspect="1"/>
+            </p:cNvGraphicFramePr>
+            <p:nvPr/>
+          </p:nvGraphicFramePr>
+          <p:xfrm>
+            <a:off x="2902988" y="3318669"/>
+            <a:ext cx="209550" cy="220662"/>
+          </p:xfrm>
+          <a:graphic>
+            <a:graphicData uri="http://schemas.openxmlformats.org/presentationml/2006/ole">
+              <p:oleObj spid="_x0000_s16386" name="Equation" r:id="rId5" imgW="228600" imgH="241300" progId="Equation.3">
+                <p:embed/>
+              </p:oleObj>
+            </a:graphicData>
+          </a:graphic>
+        </p:graphicFrame>
+        <p:graphicFrame>
+          <p:nvGraphicFramePr>
+            <p:cNvPr id="6" name="Object 2"/>
+            <p:cNvGraphicFramePr>
+              <a:graphicFrameLocks noChangeAspect="1"/>
+            </p:cNvGraphicFramePr>
+            <p:nvPr/>
+          </p:nvGraphicFramePr>
+          <p:xfrm>
+            <a:off x="4058165" y="3318669"/>
+            <a:ext cx="209550" cy="220662"/>
+          </p:xfrm>
+          <a:graphic>
+            <a:graphicData uri="http://schemas.openxmlformats.org/presentationml/2006/ole">
+              <p:oleObj spid="_x0000_s16387" name="Equation" r:id="rId6" imgW="228600" imgH="241300" progId="Equation.3">
+                <p:embed/>
+              </p:oleObj>
+            </a:graphicData>
+          </a:graphic>
+        </p:graphicFrame>
+        <p:graphicFrame>
+          <p:nvGraphicFramePr>
+            <p:cNvPr id="7" name="Object 2"/>
+            <p:cNvGraphicFramePr>
+              <a:graphicFrameLocks noChangeAspect="1"/>
+            </p:cNvGraphicFramePr>
+            <p:nvPr/>
+          </p:nvGraphicFramePr>
+          <p:xfrm>
+            <a:off x="6061637" y="3318669"/>
+            <a:ext cx="209550" cy="220662"/>
+          </p:xfrm>
+          <a:graphic>
+            <a:graphicData uri="http://schemas.openxmlformats.org/presentationml/2006/ole">
+              <p:oleObj spid="_x0000_s16388" name="Equation" r:id="rId7" imgW="228600" imgH="241300" progId="Equation.3">
+                <p:embed/>
+              </p:oleObj>
+            </a:graphicData>
+          </a:graphic>
+        </p:graphicFrame>
+        <p:graphicFrame>
+          <p:nvGraphicFramePr>
+            <p:cNvPr id="8" name="Object 2"/>
+            <p:cNvGraphicFramePr>
+              <a:graphicFrameLocks noChangeAspect="1"/>
+            </p:cNvGraphicFramePr>
+            <p:nvPr/>
+          </p:nvGraphicFramePr>
+          <p:xfrm>
+            <a:off x="7224482" y="3318669"/>
+            <a:ext cx="209550" cy="220662"/>
+          </p:xfrm>
+          <a:graphic>
+            <a:graphicData uri="http://schemas.openxmlformats.org/presentationml/2006/ole">
+              <p:oleObj spid="_x0000_s16389" name="Equation" r:id="rId8" imgW="228600" imgH="241300" progId="Equation.3">
+                <p:embed/>
+              </p:oleObj>
+            </a:graphicData>
+          </a:graphic>
+        </p:graphicFrame>
+      </p:grpSp>
+    </p:spTree>
+  </p:cSld>
+  <p:clrMapOvr>
+    <a:masterClrMapping/>
+  </p:clrMapOvr>
+</p:sld>
+</file>
+
+<file path=ppt/slides/slide5.xml><?xml version="1.0" encoding="utf-8"?>
+<p:sld xmlns:a="http://schemas.openxmlformats.org/drawingml/2006/main" xmlns:r="http://schemas.openxmlformats.org/officeDocument/2006/relationships" xmlns:mc="http://schemas.openxmlformats.org/markup-compatibility/2006" xmlns:mv="urn:schemas-microsoft-com:mac:vml" xmlns:p="http://schemas.openxmlformats.org/presentationml/2006/main" mc:Ignorable="mv" mc:PreserveAttributes="mv:*">
+  <p:cSld>
+    <p:spTree>
+      <p:nvGrpSpPr>
+        <p:cNvPr id="1" name=""/>
+        <p:cNvGrpSpPr/>
+        <p:nvPr/>
+      </p:nvGrpSpPr>
+      <p:grpSpPr>
+        <a:xfrm>
+          <a:off x="0" y="0"/>
+          <a:ext cx="0" cy="0"/>
+          <a:chOff x="0" y="0"/>
+          <a:chExt cx="0" cy="0"/>
+        </a:xfrm>
+      </p:grpSpPr>
+      <p:grpSp>
+        <p:nvGrpSpPr>
+          <p:cNvPr id="10" name="Group 9"/>
+          <p:cNvGrpSpPr/>
+          <p:nvPr/>
+        </p:nvGrpSpPr>
+        <p:grpSpPr>
+          <a:xfrm>
+            <a:off x="1123950" y="1974850"/>
+            <a:ext cx="6896100" cy="2908300"/>
+            <a:chOff x="1123950" y="1974850"/>
+            <a:chExt cx="6896100" cy="2908300"/>
+          </a:xfrm>
+        </p:grpSpPr>
+        <p:pic>
+          <p:nvPicPr>
+            <p:cNvPr id="4" name="Picture 3" descr="ocanon.pdf"/>
+            <p:cNvPicPr>
+              <a:picLocks noChangeAspect="1"/>
+            </p:cNvPicPr>
+            <p:nvPr/>
+          </p:nvPicPr>
+          <mc:AlternateContent>
+            <mc:Choice xmlns:ma="http://schemas.microsoft.com/office/mac/drawingml/2008/main" Requires="ma">
+              <p:blipFill>
+                <a:blip r:embed="rId3"/>
+                <a:stretch>
+                  <a:fillRect/>
+                </a:stretch>
+              </p:blipFill>
+            </mc:Choice>
+            <mc:Fallback>
+              <p:blipFill>
+                <a:blip r:embed="rId4"/>
+                <a:stretch>
+                  <a:fillRect/>
+                </a:stretch>
+              </p:blipFill>
+            </mc:Fallback>
+          </mc:AlternateContent>
+          <p:spPr>
+            <a:xfrm>
+              <a:off x="1123950" y="1974850"/>
+              <a:ext cx="6896100" cy="2908300"/>
+            </a:xfrm>
+            <a:prstGeom prst="rect">
+              <a:avLst/>
+            </a:prstGeom>
+          </p:spPr>
+        </p:pic>
+        <p:graphicFrame>
+          <p:nvGraphicFramePr>
+            <p:cNvPr id="17410" name="Object 2"/>
+            <p:cNvGraphicFramePr>
+              <a:graphicFrameLocks noChangeAspect="1"/>
+            </p:cNvGraphicFramePr>
+            <p:nvPr/>
+          </p:nvGraphicFramePr>
+          <p:xfrm>
+            <a:off x="2413666" y="3318669"/>
+            <a:ext cx="209550" cy="220662"/>
+          </p:xfrm>
+          <a:graphic>
+            <a:graphicData uri="http://schemas.openxmlformats.org/presentationml/2006/ole">
+              <p:oleObj spid="_x0000_s17410" name="Equation" r:id="rId5" imgW="228600" imgH="241300" progId="Equation.3">
+                <p:embed/>
+              </p:oleObj>
+            </a:graphicData>
+          </a:graphic>
+        </p:graphicFrame>
+        <p:graphicFrame>
+          <p:nvGraphicFramePr>
+            <p:cNvPr id="6" name="Object 2"/>
+            <p:cNvGraphicFramePr>
+              <a:graphicFrameLocks noChangeAspect="1"/>
+            </p:cNvGraphicFramePr>
+            <p:nvPr/>
+          </p:nvGraphicFramePr>
+          <p:xfrm>
+            <a:off x="3604574" y="3360738"/>
+            <a:ext cx="209550" cy="220662"/>
+          </p:xfrm>
+          <a:graphic>
+            <a:graphicData uri="http://schemas.openxmlformats.org/presentationml/2006/ole">
+              <p:oleObj spid="_x0000_s17411" name="Equation" r:id="rId6" imgW="228600" imgH="241300" progId="Equation.3">
+                <p:embed/>
+              </p:oleObj>
+            </a:graphicData>
+          </a:graphic>
+        </p:graphicFrame>
+        <p:graphicFrame>
+          <p:nvGraphicFramePr>
+            <p:cNvPr id="8" name="Object 2"/>
+            <p:cNvGraphicFramePr>
+              <a:graphicFrameLocks noChangeAspect="1"/>
+            </p:cNvGraphicFramePr>
+            <p:nvPr/>
+          </p:nvGraphicFramePr>
+          <p:xfrm>
+            <a:off x="5592131" y="3335163"/>
+            <a:ext cx="209550" cy="220662"/>
+          </p:xfrm>
+          <a:graphic>
+            <a:graphicData uri="http://schemas.openxmlformats.org/presentationml/2006/ole">
+              <p:oleObj spid="_x0000_s17413" name="Equation" r:id="rId7" imgW="228600" imgH="241300" progId="Equation.3">
+                <p:embed/>
+              </p:oleObj>
+            </a:graphicData>
+          </a:graphic>
+        </p:graphicFrame>
+        <p:graphicFrame>
+          <p:nvGraphicFramePr>
+            <p:cNvPr id="9" name="Object 2"/>
+            <p:cNvGraphicFramePr>
+              <a:graphicFrameLocks noChangeAspect="1"/>
+            </p:cNvGraphicFramePr>
+            <p:nvPr/>
+          </p:nvGraphicFramePr>
+          <p:xfrm>
+            <a:off x="6762643" y="3335163"/>
+            <a:ext cx="209550" cy="220662"/>
+          </p:xfrm>
+          <a:graphic>
+            <a:graphicData uri="http://schemas.openxmlformats.org/presentationml/2006/ole">
+              <p:oleObj spid="_x0000_s17414" name="Equation" r:id="rId8" imgW="228600" imgH="241300" progId="Equation.3">
+                <p:embed/>
+              </p:oleObj>
+            </a:graphicData>
+          </a:graphic>
+        </p:graphicFrame>
+      </p:grpSp>
+    </p:spTree>
+  </p:cSld>
+  <p:clrMapOvr>
+    <a:masterClrMapping/>
+  </p:clrMapOvr>
+</p:sld>
+</file>
+
+<file path=ppt/slides/slide6.xml><?xml version="1.0" encoding="utf-8"?>
+<p:sld xmlns:a="http://schemas.openxmlformats.org/drawingml/2006/main" xmlns:r="http://schemas.openxmlformats.org/officeDocument/2006/relationships" xmlns:mc="http://schemas.openxmlformats.org/markup-compatibility/2006" xmlns:mv="urn:schemas-microsoft-com:mac:vml" xmlns:p="http://schemas.openxmlformats.org/presentationml/2006/main" mc:Ignorable="mv" mc:PreserveAttributes="mv:*">
+  <p:cSld>
+    <p:spTree>
+      <p:nvGrpSpPr>
+        <p:cNvPr id="1" name=""/>
+        <p:cNvGrpSpPr/>
+        <p:nvPr/>
+      </p:nvGrpSpPr>
+      <p:grpSpPr>
+        <a:xfrm>
+          <a:off x="0" y="0"/>
+          <a:ext cx="0" cy="0"/>
+          <a:chOff x="0" y="0"/>
+          <a:chExt cx="0" cy="0"/>
+        </a:xfrm>
+      </p:grpSpPr>
+      <p:grpSp>
+        <p:nvGrpSpPr>
+          <p:cNvPr id="7" name="Group 6"/>
+          <p:cNvGrpSpPr/>
+          <p:nvPr/>
+        </p:nvGrpSpPr>
+        <p:grpSpPr>
+          <a:xfrm>
+            <a:off x="955543" y="785501"/>
+            <a:ext cx="5016500" cy="1651000"/>
+            <a:chOff x="2063750" y="2603500"/>
+            <a:chExt cx="5016500" cy="1651000"/>
+          </a:xfrm>
+        </p:grpSpPr>
+        <p:pic>
+          <p:nvPicPr>
+            <p:cNvPr id="4" name="Picture 3" descr="jordanblock.pdf"/>
+            <p:cNvPicPr>
+              <a:picLocks noChangeAspect="1"/>
+            </p:cNvPicPr>
+            <p:nvPr/>
+          </p:nvPicPr>
+          <mc:AlternateContent>
+            <mc:Choice xmlns:ma="http://schemas.microsoft.com/office/mac/drawingml/2008/main" Requires="ma">
+              <p:blipFill>
+                <a:blip r:embed="rId3"/>
+                <a:stretch>
+                  <a:fillRect/>
+                </a:stretch>
+              </p:blipFill>
+            </mc:Choice>
+            <mc:Fallback>
+              <p:blipFill>
+                <a:blip r:embed="rId4"/>
+                <a:stretch>
+                  <a:fillRect/>
+                </a:stretch>
+              </p:blipFill>
+            </mc:Fallback>
+          </mc:AlternateContent>
+          <p:spPr>
+            <a:xfrm>
+              <a:off x="2063750" y="2603500"/>
+              <a:ext cx="5016500" cy="1651000"/>
+            </a:xfrm>
+            <a:prstGeom prst="rect">
+              <a:avLst/>
+            </a:prstGeom>
+          </p:spPr>
+        </p:pic>
+        <p:graphicFrame>
+          <p:nvGraphicFramePr>
+            <p:cNvPr id="18434" name="Object 2"/>
+            <p:cNvGraphicFramePr>
+              <a:graphicFrameLocks noChangeAspect="1"/>
+            </p:cNvGraphicFramePr>
+            <p:nvPr/>
+          </p:nvGraphicFramePr>
+          <p:xfrm>
+            <a:off x="3463793" y="2725115"/>
+            <a:ext cx="209550" cy="220662"/>
+          </p:xfrm>
+          <a:graphic>
+            <a:graphicData uri="http://schemas.openxmlformats.org/presentationml/2006/ole">
+              <p:oleObj spid="_x0000_s18434" name="Equation" r:id="rId5" imgW="228600" imgH="241300" progId="Equation.3">
+                <p:embed/>
+              </p:oleObj>
+            </a:graphicData>
+          </a:graphic>
+        </p:graphicFrame>
+        <p:graphicFrame>
+          <p:nvGraphicFramePr>
+            <p:cNvPr id="6" name="Object 2"/>
+            <p:cNvGraphicFramePr>
+              <a:graphicFrameLocks noChangeAspect="1"/>
+            </p:cNvGraphicFramePr>
+            <p:nvPr/>
+          </p:nvGraphicFramePr>
+          <p:xfrm>
+            <a:off x="5212763" y="2725115"/>
+            <a:ext cx="209550" cy="220662"/>
+          </p:xfrm>
+          <a:graphic>
+            <a:graphicData uri="http://schemas.openxmlformats.org/presentationml/2006/ole">
+              <p:oleObj spid="_x0000_s18435" name="Equation" r:id="rId6" imgW="228600" imgH="241300" progId="Equation.3">
+                <p:embed/>
+              </p:oleObj>
+            </a:graphicData>
+          </a:graphic>
+        </p:graphicFrame>
+      </p:grpSp>
+      <p:grpSp>
+        <p:nvGrpSpPr>
+          <p:cNvPr id="12" name="Group 11"/>
+          <p:cNvGrpSpPr/>
+          <p:nvPr/>
+        </p:nvGrpSpPr>
+        <p:grpSpPr>
+          <a:xfrm>
+            <a:off x="805290" y="2614142"/>
+            <a:ext cx="7302500" cy="3619500"/>
+            <a:chOff x="805290" y="2614142"/>
+            <a:chExt cx="7302500" cy="3619500"/>
+          </a:xfrm>
+        </p:grpSpPr>
+        <p:pic>
+          <p:nvPicPr>
+            <p:cNvPr id="8" name="Picture 7" descr="normalcan.pdf"/>
+            <p:cNvPicPr>
+              <a:picLocks noChangeAspect="1"/>
+            </p:cNvPicPr>
+            <p:nvPr/>
+          </p:nvPicPr>
+          <mc:AlternateContent>
+            <mc:Choice xmlns:ma="http://schemas.microsoft.com/office/mac/drawingml/2008/main" Requires="ma">
+              <p:blipFill>
+                <a:blip r:embed="rId7"/>
+                <a:stretch>
+                  <a:fillRect/>
+                </a:stretch>
+              </p:blipFill>
+            </mc:Choice>
+            <mc:Fallback>
+              <p:blipFill>
+                <a:blip r:embed="rId8"/>
+                <a:stretch>
+                  <a:fillRect/>
+                </a:stretch>
+              </p:blipFill>
+            </mc:Fallback>
+          </mc:AlternateContent>
+          <p:spPr>
+            <a:xfrm>
+              <a:off x="805290" y="2614142"/>
+              <a:ext cx="7302500" cy="3619500"/>
+            </a:xfrm>
+            <a:prstGeom prst="rect">
+              <a:avLst/>
+            </a:prstGeom>
+          </p:spPr>
+        </p:pic>
+        <p:graphicFrame>
+          <p:nvGraphicFramePr>
+            <p:cNvPr id="18438" name="Object 6"/>
+            <p:cNvGraphicFramePr>
+              <a:graphicFrameLocks noChangeAspect="1"/>
+            </p:cNvGraphicFramePr>
+            <p:nvPr/>
+          </p:nvGraphicFramePr>
+          <p:xfrm>
+            <a:off x="2446303" y="3986832"/>
+            <a:ext cx="209550" cy="220662"/>
+          </p:xfrm>
+          <a:graphic>
+            <a:graphicData uri="http://schemas.openxmlformats.org/presentationml/2006/ole">
+              <p:oleObj spid="_x0000_s18438" name="Equation" r:id="rId9" imgW="228600" imgH="241300" progId="Equation.3">
+                <p:embed/>
+              </p:oleObj>
+            </a:graphicData>
+          </a:graphic>
+        </p:graphicFrame>
+        <p:graphicFrame>
+          <p:nvGraphicFramePr>
+            <p:cNvPr id="10" name="Object 6"/>
+            <p:cNvGraphicFramePr>
+              <a:graphicFrameLocks noChangeAspect="1"/>
+            </p:cNvGraphicFramePr>
+            <p:nvPr/>
+          </p:nvGraphicFramePr>
+          <p:xfrm>
+            <a:off x="4467225" y="3986832"/>
+            <a:ext cx="209550" cy="220662"/>
+          </p:xfrm>
+          <a:graphic>
+            <a:graphicData uri="http://schemas.openxmlformats.org/presentationml/2006/ole">
+              <p:oleObj spid="_x0000_s18439" name="Equation" r:id="rId10" imgW="228600" imgH="241300" progId="Equation.3">
+                <p:embed/>
+              </p:oleObj>
+            </a:graphicData>
+          </a:graphic>
+        </p:graphicFrame>
+        <p:graphicFrame>
+          <p:nvGraphicFramePr>
+            <p:cNvPr id="11" name="Object 6"/>
+            <p:cNvGraphicFramePr>
+              <a:graphicFrameLocks noChangeAspect="1"/>
+            </p:cNvGraphicFramePr>
+            <p:nvPr/>
+          </p:nvGraphicFramePr>
+          <p:xfrm>
+            <a:off x="6944079" y="3986832"/>
+            <a:ext cx="209550" cy="220662"/>
+          </p:xfrm>
+          <a:graphic>
+            <a:graphicData uri="http://schemas.openxmlformats.org/presentationml/2006/ole">
+              <p:oleObj spid="_x0000_s18440" name="Equation" r:id="rId11" imgW="228600" imgH="241300" progId="Equation.3">
+                <p:embed/>
+              </p:oleObj>
+            </a:graphicData>
+          </a:graphic>
+        </p:graphicFrame>
+      </p:grpSp>
+    </p:spTree>
+  </p:cSld>
+  <p:clrMapOvr>
+    <a:masterClrMapping/>
+  </p:clrMapOvr>
+</p:sld>
+</file>
+
+<file path=ppt/slides/slide7.xml><?xml version="1.0" encoding="utf-8"?>
+<p:sld xmlns:a="http://schemas.openxmlformats.org/drawingml/2006/main" xmlns:r="http://schemas.openxmlformats.org/officeDocument/2006/relationships" xmlns:mc="http://schemas.openxmlformats.org/markup-compatibility/2006" xmlns:mv="urn:schemas-microsoft-com:mac:vml" xmlns:p="http://schemas.openxmlformats.org/presentationml/2006/main" mc:Ignorable="mv" mc:PreserveAttributes="mv:*">
+  <p:cSld>
+    <p:spTree>
+      <p:nvGrpSpPr>
+        <p:cNvPr id="1" name=""/>
+        <p:cNvGrpSpPr/>
+        <p:nvPr/>
+      </p:nvGrpSpPr>
+      <p:grpSpPr>
+        <a:xfrm>
+          <a:off x="0" y="0"/>
+          <a:ext cx="0" cy="0"/>
+          <a:chOff x="0" y="0"/>
+          <a:chExt cx="0" cy="0"/>
+        </a:xfrm>
+      </p:grpSpPr>
+      <p:grpSp>
+        <p:nvGrpSpPr>
+          <p:cNvPr id="6" name="Group 5"/>
+          <p:cNvGrpSpPr/>
+          <p:nvPr/>
+        </p:nvGrpSpPr>
+        <p:grpSpPr>
+          <a:xfrm>
+            <a:off x="2546350" y="2952750"/>
+            <a:ext cx="4051300" cy="952500"/>
+            <a:chOff x="2546350" y="2952750"/>
+            <a:chExt cx="4051300" cy="952500"/>
+          </a:xfrm>
+        </p:grpSpPr>
+        <p:pic>
+          <p:nvPicPr>
+            <p:cNvPr id="4" name="Picture 3" descr="sspole.pdf"/>
+            <p:cNvPicPr>
+              <a:picLocks noChangeAspect="1"/>
+            </p:cNvPicPr>
+            <p:nvPr/>
+          </p:nvPicPr>
+          <mc:AlternateContent>
+            <mc:Choice xmlns:ma="http://schemas.microsoft.com/office/mac/drawingml/2008/main" Requires="ma">
+              <p:blipFill>
+                <a:blip r:embed="rId3"/>
+                <a:stretch>
+                  <a:fillRect/>
+                </a:stretch>
+              </p:blipFill>
+            </mc:Choice>
+            <mc:Fallback>
+              <p:blipFill>
+                <a:blip r:embed="rId4"/>
+                <a:stretch>
+                  <a:fillRect/>
+                </a:stretch>
+              </p:blipFill>
+            </mc:Fallback>
+          </mc:AlternateContent>
+          <p:spPr>
+            <a:xfrm>
+              <a:off x="2546350" y="2952750"/>
+              <a:ext cx="4051300" cy="952500"/>
+            </a:xfrm>
+            <a:prstGeom prst="rect">
+              <a:avLst/>
+            </a:prstGeom>
+          </p:spPr>
+        </p:pic>
+        <p:graphicFrame>
+          <p:nvGraphicFramePr>
+            <p:cNvPr id="19458" name="Object 2"/>
+            <p:cNvGraphicFramePr>
+              <a:graphicFrameLocks noChangeAspect="1"/>
+            </p:cNvGraphicFramePr>
+            <p:nvPr/>
+          </p:nvGraphicFramePr>
+          <p:xfrm>
+            <a:off x="4629729" y="2993985"/>
+            <a:ext cx="209550" cy="220662"/>
+          </p:xfrm>
+          <a:graphic>
+            <a:graphicData uri="http://schemas.openxmlformats.org/presentationml/2006/ole">
+              <p:oleObj spid="_x0000_s19458" name="Equation" r:id="rId5" imgW="228600" imgH="241300" progId="Equation.3">
+                <p:embed/>
+              </p:oleObj>
+            </a:graphicData>
+          </a:graphic>
+        </p:graphicFrame>
+      </p:grpSp>
     </p:spTree>
   </p:cSld>
   <p:clrMapOvr>
